--- a/Documentation/FinalPresentation_Behnam.pptx
+++ b/Documentation/FinalPresentation_Behnam.pptx
@@ -3453,8 +3453,12 @@
           <a:lstStyle/>
           <a:p>
             <a:r>
-              <a:rPr lang="en-US"/>
-              <a:t>Dynamic Network Gephi</a:t>
+              <a:rPr lang="en-US" dirty="0"/>
+              <a:t>Dynamic Network </a:t>
+            </a:r>
+            <a:r>
+              <a:rPr lang="en-US" dirty="0" err="1"/>
+              <a:t>Gephi</a:t>
             </a:r>
             <a:endParaRPr lang="en-US" dirty="0"/>
           </a:p>
